--- a/Caused of Alcoholism - Dean Slides.pptx
+++ b/Caused of Alcoholism - Dean Slides.pptx
@@ -12085,6 +12085,51 @@
           </a:p>
         </p:txBody>
       </p:sp>
+      <p:pic>
+        <p:nvPicPr>
+          <p:cNvPr id="1026" name="Picture 2" descr="Image result for decision">
+            <a:extLst>
+              <a:ext uri="{FF2B5EF4-FFF2-40B4-BE49-F238E27FC236}">
+                <a16:creationId xmlns:a16="http://schemas.microsoft.com/office/drawing/2014/main" id="{F179D7CE-AC25-4EC3-89C4-2F471B1B6D66}"/>
+              </a:ext>
+            </a:extLst>
+          </p:cNvPr>
+          <p:cNvPicPr>
+            <a:picLocks noChangeAspect="1" noChangeArrowheads="1"/>
+          </p:cNvPicPr>
+          <p:nvPr/>
+        </p:nvPicPr>
+        <p:blipFill rotWithShape="1">
+          <a:blip r:embed="rId2">
+            <a:extLst>
+              <a:ext uri="{28A0092B-C50C-407E-A947-70E740481C1C}">
+                <a14:useLocalDpi xmlns:a14="http://schemas.microsoft.com/office/drawing/2010/main" val="0"/>
+              </a:ext>
+            </a:extLst>
+          </a:blip>
+          <a:srcRect l="15271" r="18620"/>
+          <a:stretch/>
+        </p:blipFill>
+        <p:spPr bwMode="auto">
+          <a:xfrm>
+            <a:off x="7987861" y="1261731"/>
+            <a:ext cx="4204139" cy="5564520"/>
+          </a:xfrm>
+          <a:prstGeom prst="rect">
+            <a:avLst/>
+          </a:prstGeom>
+          <a:noFill/>
+          <a:extLst>
+            <a:ext uri="{909E8E84-426E-40DD-AFC4-6F175D3DCCD1}">
+              <a14:hiddenFill xmlns:a14="http://schemas.microsoft.com/office/drawing/2010/main">
+                <a:solidFill>
+                  <a:srgbClr val="FFFFFF"/>
+                </a:solidFill>
+              </a14:hiddenFill>
+            </a:ext>
+          </a:extLst>
+        </p:spPr>
+      </p:pic>
     </p:spTree>
     <p:extLst>
       <p:ext uri="{BB962C8B-B14F-4D97-AF65-F5344CB8AC3E}">
